--- a/Lections/CSharp_Lection_1.pptx
+++ b/Lections/CSharp_Lection_1.pptx
@@ -6,7 +6,7 @@
     <p:sldMasterId id="2147483660" r:id="rId2"/>
   </p:sldMasterIdLst>
   <p:notesMasterIdLst>
-    <p:notesMasterId r:id="rId17"/>
+    <p:notesMasterId r:id="rId19"/>
   </p:notesMasterIdLst>
   <p:sldIdLst>
     <p:sldId id="256" r:id="rId3"/>
@@ -23,6 +23,8 @@
     <p:sldId id="267" r:id="rId14"/>
     <p:sldId id="268" r:id="rId15"/>
     <p:sldId id="269" r:id="rId16"/>
+    <p:sldId id="270" r:id="rId17"/>
+    <p:sldId id="271" r:id="rId18"/>
   </p:sldIdLst>
   <p:sldSz cx="12192000" cy="6858000"/>
   <p:notesSz cx="6858000" cy="9144000"/>
@@ -121,6 +123,11 @@
       </a:defRPr>
     </a:lvl9pPr>
   </p:defaultTextStyle>
+  <p:extLst>
+    <p:ext uri="{EFAFB233-063F-42B5-8137-9DF3F51BA10A}">
+      <p15:sldGuideLst xmlns:p15="http://schemas.microsoft.com/office/powerpoint/2012/main"/>
+    </p:ext>
+  </p:extLst>
 </p:presentation>
 </file>
 
@@ -206,7 +213,7 @@
           <a:p>
             <a:fld id="{07F6C748-A84E-489A-A62C-84C1207057F9}" type="datetimeFigureOut">
               <a:rPr lang="ru-RU" smtClean="0"/>
-              <a:t>23.10.2025</a:t>
+              <a:t>24.10.2025</a:t>
             </a:fld>
             <a:endParaRPr lang="ru-RU"/>
           </a:p>
@@ -620,7 +627,7 @@
           <a:p>
             <a:fld id="{1BBB0C75-5C85-48B2-9C5F-9E765DA8E32A}" type="datetime1">
               <a:rPr lang="ru-RU" smtClean="0"/>
-              <a:t>23.10.2025</a:t>
+              <a:t>24.10.2025</a:t>
             </a:fld>
             <a:endParaRPr lang="ru-RU"/>
           </a:p>
@@ -818,7 +825,7 @@
           <a:p>
             <a:fld id="{FF64E09B-9F02-4767-9E6F-E687EC65F941}" type="datetime1">
               <a:rPr lang="ru-RU" smtClean="0"/>
-              <a:t>23.10.2025</a:t>
+              <a:t>24.10.2025</a:t>
             </a:fld>
             <a:endParaRPr lang="ru-RU"/>
           </a:p>
@@ -1026,7 +1033,7 @@
           <a:p>
             <a:fld id="{948FF072-A565-4AE0-B471-76FB12EEDDC8}" type="datetime1">
               <a:rPr lang="ru-RU" smtClean="0"/>
-              <a:t>23.10.2025</a:t>
+              <a:t>24.10.2025</a:t>
             </a:fld>
             <a:endParaRPr lang="ru-RU"/>
           </a:p>
@@ -1246,7 +1253,7 @@
           <a:p>
             <a:fld id="{38AF1FF9-D86E-455E-BAD2-DD824E525448}" type="datetime1">
               <a:rPr lang="ru-RU" smtClean="0"/>
-              <a:t>23.10.2025</a:t>
+              <a:t>24.10.2025</a:t>
             </a:fld>
             <a:endParaRPr lang="ru-RU"/>
           </a:p>
@@ -1444,7 +1451,7 @@
           <a:p>
             <a:fld id="{41B9F54A-2D85-40CD-A328-0C0939F75339}" type="datetime1">
               <a:rPr lang="ru-RU" smtClean="0"/>
-              <a:t>23.10.2025</a:t>
+              <a:t>24.10.2025</a:t>
             </a:fld>
             <a:endParaRPr lang="ru-RU"/>
           </a:p>
@@ -1719,7 +1726,7 @@
           <a:p>
             <a:fld id="{C418D7F1-771A-4A11-B9B4-FFA835DE5D89}" type="datetime1">
               <a:rPr lang="ru-RU" smtClean="0"/>
-              <a:t>23.10.2025</a:t>
+              <a:t>24.10.2025</a:t>
             </a:fld>
             <a:endParaRPr lang="ru-RU"/>
           </a:p>
@@ -1984,7 +1991,7 @@
           <a:p>
             <a:fld id="{1BC4915B-4F6E-4E44-A454-E01932D34C73}" type="datetime1">
               <a:rPr lang="ru-RU" smtClean="0"/>
-              <a:t>23.10.2025</a:t>
+              <a:t>24.10.2025</a:t>
             </a:fld>
             <a:endParaRPr lang="ru-RU"/>
           </a:p>
@@ -2396,7 +2403,7 @@
           <a:p>
             <a:fld id="{7DE1E277-B91F-4C64-A18F-AD7F8DA6CBCC}" type="datetime1">
               <a:rPr lang="ru-RU" smtClean="0"/>
-              <a:t>23.10.2025</a:t>
+              <a:t>24.10.2025</a:t>
             </a:fld>
             <a:endParaRPr lang="ru-RU"/>
           </a:p>
@@ -2537,7 +2544,7 @@
           <a:p>
             <a:fld id="{A3ED05AA-F1EC-49BD-A4DC-C073FEEEF978}" type="datetime1">
               <a:rPr lang="ru-RU" smtClean="0"/>
-              <a:t>23.10.2025</a:t>
+              <a:t>24.10.2025</a:t>
             </a:fld>
             <a:endParaRPr lang="ru-RU"/>
           </a:p>
@@ -2650,7 +2657,7 @@
           <a:p>
             <a:fld id="{8ADDD501-E9BA-4D1D-9CB4-AE3AC4E4BA0C}" type="datetime1">
               <a:rPr lang="ru-RU" smtClean="0"/>
-              <a:t>23.10.2025</a:t>
+              <a:t>24.10.2025</a:t>
             </a:fld>
             <a:endParaRPr lang="ru-RU"/>
           </a:p>
@@ -2961,7 +2968,7 @@
           <a:p>
             <a:fld id="{E3ED1A34-198D-4FB1-85C4-C5475F9C19E7}" type="datetime1">
               <a:rPr lang="ru-RU" smtClean="0"/>
-              <a:t>23.10.2025</a:t>
+              <a:t>24.10.2025</a:t>
             </a:fld>
             <a:endParaRPr lang="ru-RU"/>
           </a:p>
@@ -3159,7 +3166,7 @@
           <a:p>
             <a:fld id="{7E48ED01-8C37-453F-9BF9-72385FDE2B82}" type="datetime1">
               <a:rPr lang="ru-RU" smtClean="0"/>
-              <a:t>23.10.2025</a:t>
+              <a:t>24.10.2025</a:t>
             </a:fld>
             <a:endParaRPr lang="ru-RU"/>
           </a:p>
@@ -3447,7 +3454,7 @@
           <a:p>
             <a:fld id="{F8FB2C59-5075-4F1B-B005-93D832210A63}" type="datetime1">
               <a:rPr lang="ru-RU" smtClean="0"/>
-              <a:t>23.10.2025</a:t>
+              <a:t>24.10.2025</a:t>
             </a:fld>
             <a:endParaRPr lang="ru-RU"/>
           </a:p>
@@ -3645,7 +3652,7 @@
           <a:p>
             <a:fld id="{BAB726BE-4D93-4526-BE27-1EA2CB4A6217}" type="datetime1">
               <a:rPr lang="ru-RU" smtClean="0"/>
-              <a:t>23.10.2025</a:t>
+              <a:t>24.10.2025</a:t>
             </a:fld>
             <a:endParaRPr lang="ru-RU"/>
           </a:p>
@@ -3853,7 +3860,7 @@
           <a:p>
             <a:fld id="{C575BC69-0DAD-4E9D-BD96-47F8C772037A}" type="datetime1">
               <a:rPr lang="ru-RU" smtClean="0"/>
-              <a:t>23.10.2025</a:t>
+              <a:t>24.10.2025</a:t>
             </a:fld>
             <a:endParaRPr lang="ru-RU"/>
           </a:p>
@@ -4128,7 +4135,7 @@
           <a:p>
             <a:fld id="{AA074016-F2D2-4AD0-87E7-43168F74A3BC}" type="datetime1">
               <a:rPr lang="ru-RU" smtClean="0"/>
-              <a:t>23.10.2025</a:t>
+              <a:t>24.10.2025</a:t>
             </a:fld>
             <a:endParaRPr lang="ru-RU"/>
           </a:p>
@@ -4393,7 +4400,7 @@
           <a:p>
             <a:fld id="{905849DE-8DB2-40E1-86AD-38CA0C22F08F}" type="datetime1">
               <a:rPr lang="ru-RU" smtClean="0"/>
-              <a:t>23.10.2025</a:t>
+              <a:t>24.10.2025</a:t>
             </a:fld>
             <a:endParaRPr lang="ru-RU"/>
           </a:p>
@@ -4805,7 +4812,7 @@
           <a:p>
             <a:fld id="{DEA99CD5-3791-442E-8DBB-6494B5BA1F0F}" type="datetime1">
               <a:rPr lang="ru-RU" smtClean="0"/>
-              <a:t>23.10.2025</a:t>
+              <a:t>24.10.2025</a:t>
             </a:fld>
             <a:endParaRPr lang="ru-RU"/>
           </a:p>
@@ -4946,7 +4953,7 @@
           <a:p>
             <a:fld id="{4A7B92EC-48ED-4444-8796-A4F7D0BD3014}" type="datetime1">
               <a:rPr lang="ru-RU" smtClean="0"/>
-              <a:t>23.10.2025</a:t>
+              <a:t>24.10.2025</a:t>
             </a:fld>
             <a:endParaRPr lang="ru-RU"/>
           </a:p>
@@ -5059,7 +5066,7 @@
           <a:p>
             <a:fld id="{0EF58C09-64A3-4C9A-B355-8EB4A767B163}" type="datetime1">
               <a:rPr lang="ru-RU" smtClean="0"/>
-              <a:t>23.10.2025</a:t>
+              <a:t>24.10.2025</a:t>
             </a:fld>
             <a:endParaRPr lang="ru-RU"/>
           </a:p>
@@ -5370,7 +5377,7 @@
           <a:p>
             <a:fld id="{F5353CB6-4531-457E-AB54-6542AD2A9F4C}" type="datetime1">
               <a:rPr lang="ru-RU" smtClean="0"/>
-              <a:t>23.10.2025</a:t>
+              <a:t>24.10.2025</a:t>
             </a:fld>
             <a:endParaRPr lang="ru-RU"/>
           </a:p>
@@ -5658,7 +5665,7 @@
           <a:p>
             <a:fld id="{6DF5E8BF-5737-412E-99A9-CECAA6DB5EFF}" type="datetime1">
               <a:rPr lang="ru-RU" smtClean="0"/>
-              <a:t>23.10.2025</a:t>
+              <a:t>24.10.2025</a:t>
             </a:fld>
             <a:endParaRPr lang="ru-RU"/>
           </a:p>
@@ -5899,7 +5906,7 @@
           <a:p>
             <a:fld id="{32570BB9-4C47-4DF0-8990-A3EBACCB278C}" type="datetime1">
               <a:rPr lang="ru-RU" smtClean="0"/>
-              <a:t>23.10.2025</a:t>
+              <a:t>24.10.2025</a:t>
             </a:fld>
             <a:endParaRPr lang="ru-RU"/>
           </a:p>
@@ -6468,7 +6475,7 @@
           <a:p>
             <a:fld id="{9AA285A6-062D-4BE9-ACE1-0DCAFD12EAF9}" type="datetime1">
               <a:rPr lang="ru-RU" smtClean="0"/>
-              <a:t>23.10.2025</a:t>
+              <a:t>24.10.2025</a:t>
             </a:fld>
             <a:endParaRPr lang="ru-RU"/>
           </a:p>
@@ -8961,6 +8968,460 @@
     <p:extLst>
       <p:ext uri="{BB962C8B-B14F-4D97-AF65-F5344CB8AC3E}">
         <p14:creationId xmlns:p14="http://schemas.microsoft.com/office/powerpoint/2010/main" val="2749774234"/>
+      </p:ext>
+    </p:extLst>
+  </p:cSld>
+  <p:clrMapOvr>
+    <a:masterClrMapping/>
+  </p:clrMapOvr>
+</p:sld>
+</file>
+
+<file path=ppt/slides/slide15.xml><?xml version="1.0" encoding="utf-8"?>
+<p:sld xmlns:a="http://schemas.openxmlformats.org/drawingml/2006/main" xmlns:r="http://schemas.openxmlformats.org/officeDocument/2006/relationships" xmlns:p="http://schemas.openxmlformats.org/presentationml/2006/main">
+  <p:cSld>
+    <p:spTree>
+      <p:nvGrpSpPr>
+        <p:cNvPr id="1" name=""/>
+        <p:cNvGrpSpPr/>
+        <p:nvPr/>
+      </p:nvGrpSpPr>
+      <p:grpSpPr>
+        <a:xfrm>
+          <a:off x="0" y="0"/>
+          <a:ext cx="0" cy="0"/>
+          <a:chOff x="0" y="0"/>
+          <a:chExt cx="0" cy="0"/>
+        </a:xfrm>
+      </p:grpSpPr>
+      <p:sp>
+        <p:nvSpPr>
+          <p:cNvPr id="4" name="Номер слайда 3">
+            <a:extLst>
+              <a:ext uri="{FF2B5EF4-FFF2-40B4-BE49-F238E27FC236}">
+                <a16:creationId xmlns:a16="http://schemas.microsoft.com/office/drawing/2014/main" id="{5B11D815-4925-6E2C-B55F-4629DD538B40}"/>
+              </a:ext>
+            </a:extLst>
+          </p:cNvPr>
+          <p:cNvSpPr>
+            <a:spLocks noGrp="1"/>
+          </p:cNvSpPr>
+          <p:nvPr>
+            <p:ph type="sldNum" sz="quarter" idx="12"/>
+          </p:nvPr>
+        </p:nvSpPr>
+        <p:spPr/>
+        <p:txBody>
+          <a:bodyPr/>
+          <a:lstStyle/>
+          <a:p>
+            <a:fld id="{B1A34C6F-A464-4B1A-B6BE-98ECF327620C}" type="slidenum">
+              <a:rPr lang="ru-RU" sz="2000" smtClean="0">
+                <a:solidFill>
+                  <a:schemeClr val="accent1">
+                    <a:lumMod val="75000"/>
+                  </a:schemeClr>
+                </a:solidFill>
+                <a:latin typeface="Sitka Subheading Semibold" pitchFamily="2" charset="0"/>
+              </a:rPr>
+              <a:t>15</a:t>
+            </a:fld>
+            <a:endParaRPr lang="ru-RU" sz="2000" dirty="0">
+              <a:solidFill>
+                <a:schemeClr val="accent1">
+                  <a:lumMod val="75000"/>
+                </a:schemeClr>
+              </a:solidFill>
+              <a:latin typeface="Sitka Subheading Semibold" pitchFamily="2" charset="0"/>
+            </a:endParaRPr>
+          </a:p>
+        </p:txBody>
+      </p:sp>
+      <p:sp>
+        <p:nvSpPr>
+          <p:cNvPr id="7" name="TextBox 6">
+            <a:extLst>
+              <a:ext uri="{FF2B5EF4-FFF2-40B4-BE49-F238E27FC236}">
+                <a16:creationId xmlns:a16="http://schemas.microsoft.com/office/drawing/2014/main" id="{B39BFFE0-B12E-ADC9-A92E-6C82C0781BD2}"/>
+              </a:ext>
+            </a:extLst>
+          </p:cNvPr>
+          <p:cNvSpPr txBox="1"/>
+          <p:nvPr/>
+        </p:nvSpPr>
+        <p:spPr>
+          <a:xfrm>
+            <a:off x="2128520" y="474395"/>
+            <a:ext cx="7934960" cy="584775"/>
+          </a:xfrm>
+          <a:prstGeom prst="rect">
+            <a:avLst/>
+          </a:prstGeom>
+          <a:noFill/>
+        </p:spPr>
+        <p:txBody>
+          <a:bodyPr wrap="square">
+            <a:spAutoFit/>
+          </a:bodyPr>
+          <a:lstStyle/>
+          <a:p>
+            <a:pPr algn="ctr"/>
+            <a:r>
+              <a:rPr lang="ru-RU" sz="3200" dirty="0">
+                <a:solidFill>
+                  <a:schemeClr val="accent1">
+                    <a:lumMod val="75000"/>
+                  </a:schemeClr>
+                </a:solidFill>
+                <a:latin typeface="Sitka Subheading Semibold" pitchFamily="2" charset="0"/>
+                <a:ea typeface="Noto Serif JP Light" panose="02020200000000000000" pitchFamily="18" charset="-128"/>
+              </a:rPr>
+              <a:t>Этапы сборки</a:t>
+            </a:r>
+          </a:p>
+        </p:txBody>
+      </p:sp>
+      <p:sp>
+        <p:nvSpPr>
+          <p:cNvPr id="8" name="TextBox 7">
+            <a:extLst>
+              <a:ext uri="{FF2B5EF4-FFF2-40B4-BE49-F238E27FC236}">
+                <a16:creationId xmlns:a16="http://schemas.microsoft.com/office/drawing/2014/main" id="{7A72B717-0088-E1E5-C7B8-DA001E15CE9B}"/>
+              </a:ext>
+            </a:extLst>
+          </p:cNvPr>
+          <p:cNvSpPr txBox="1"/>
+          <p:nvPr/>
+        </p:nvSpPr>
+        <p:spPr>
+          <a:xfrm>
+            <a:off x="2269043" y="5198367"/>
+            <a:ext cx="775374" cy="400110"/>
+          </a:xfrm>
+          <a:prstGeom prst="rect">
+            <a:avLst/>
+          </a:prstGeom>
+          <a:noFill/>
+        </p:spPr>
+        <p:txBody>
+          <a:bodyPr wrap="square">
+            <a:spAutoFit/>
+          </a:bodyPr>
+          <a:lstStyle/>
+          <a:p>
+            <a:r>
+              <a:rPr lang="en-US" sz="2000" b="1" dirty="0">
+                <a:solidFill>
+                  <a:schemeClr val="accent1">
+                    <a:lumMod val="75000"/>
+                  </a:schemeClr>
+                </a:solidFill>
+                <a:latin typeface="Sitka Subheading Semibold" pitchFamily="2" charset="0"/>
+              </a:rPr>
+              <a:t>C++</a:t>
+            </a:r>
+            <a:endParaRPr lang="ru-RU" sz="2000" b="0" i="1" u="none" strike="noStrike" baseline="0" dirty="0">
+              <a:solidFill>
+                <a:srgbClr val="000000"/>
+              </a:solidFill>
+              <a:latin typeface="Times New Roman" panose="02020603050405020304" pitchFamily="18" charset="0"/>
+            </a:endParaRPr>
+          </a:p>
+        </p:txBody>
+      </p:sp>
+      <p:pic>
+        <p:nvPicPr>
+          <p:cNvPr id="1026" name="Picture 2">
+            <a:extLst>
+              <a:ext uri="{FF2B5EF4-FFF2-40B4-BE49-F238E27FC236}">
+                <a16:creationId xmlns:a16="http://schemas.microsoft.com/office/drawing/2014/main" id="{E3DF5162-B255-7019-7C14-41AE0DE2956F}"/>
+              </a:ext>
+            </a:extLst>
+          </p:cNvPr>
+          <p:cNvPicPr>
+            <a:picLocks noChangeAspect="1" noChangeArrowheads="1"/>
+          </p:cNvPicPr>
+          <p:nvPr/>
+        </p:nvPicPr>
+        <p:blipFill>
+          <a:blip r:embed="rId2">
+            <a:extLst>
+              <a:ext uri="{28A0092B-C50C-407E-A947-70E740481C1C}">
+                <a14:useLocalDpi xmlns:a14="http://schemas.microsoft.com/office/drawing/2010/main" val="0"/>
+              </a:ext>
+            </a:extLst>
+          </a:blip>
+          <a:srcRect/>
+          <a:stretch>
+            <a:fillRect/>
+          </a:stretch>
+        </p:blipFill>
+        <p:spPr bwMode="auto">
+          <a:xfrm>
+            <a:off x="461347" y="1902335"/>
+            <a:ext cx="4278604" cy="2553360"/>
+          </a:xfrm>
+          <a:prstGeom prst="rect">
+            <a:avLst/>
+          </a:prstGeom>
+          <a:noFill/>
+          <a:extLst>
+            <a:ext uri="{909E8E84-426E-40DD-AFC4-6F175D3DCCD1}">
+              <a14:hiddenFill xmlns:a14="http://schemas.microsoft.com/office/drawing/2010/main">
+                <a:solidFill>
+                  <a:srgbClr val="FFFFFF"/>
+                </a:solidFill>
+              </a14:hiddenFill>
+            </a:ext>
+          </a:extLst>
+        </p:spPr>
+      </p:pic>
+      <p:pic>
+        <p:nvPicPr>
+          <p:cNvPr id="1028" name="Picture 4">
+            <a:extLst>
+              <a:ext uri="{FF2B5EF4-FFF2-40B4-BE49-F238E27FC236}">
+                <a16:creationId xmlns:a16="http://schemas.microsoft.com/office/drawing/2014/main" id="{E0A1CC26-7822-5305-D0C2-5EC15A3F0EB6}"/>
+              </a:ext>
+            </a:extLst>
+          </p:cNvPr>
+          <p:cNvPicPr>
+            <a:picLocks noChangeAspect="1" noChangeArrowheads="1"/>
+          </p:cNvPicPr>
+          <p:nvPr/>
+        </p:nvPicPr>
+        <p:blipFill>
+          <a:blip r:embed="rId3">
+            <a:extLst>
+              <a:ext uri="{28A0092B-C50C-407E-A947-70E740481C1C}">
+                <a14:useLocalDpi xmlns:a14="http://schemas.microsoft.com/office/drawing/2010/main" val="0"/>
+              </a:ext>
+            </a:extLst>
+          </a:blip>
+          <a:srcRect/>
+          <a:stretch>
+            <a:fillRect/>
+          </a:stretch>
+        </p:blipFill>
+        <p:spPr bwMode="auto">
+          <a:xfrm>
+            <a:off x="5217277" y="2062065"/>
+            <a:ext cx="6507901" cy="2174459"/>
+          </a:xfrm>
+          <a:prstGeom prst="rect">
+            <a:avLst/>
+          </a:prstGeom>
+          <a:noFill/>
+          <a:extLst>
+            <a:ext uri="{909E8E84-426E-40DD-AFC4-6F175D3DCCD1}">
+              <a14:hiddenFill xmlns:a14="http://schemas.microsoft.com/office/drawing/2010/main">
+                <a:solidFill>
+                  <a:srgbClr val="FFFFFF"/>
+                </a:solidFill>
+              </a14:hiddenFill>
+            </a:ext>
+          </a:extLst>
+        </p:spPr>
+      </p:pic>
+      <p:sp>
+        <p:nvSpPr>
+          <p:cNvPr id="2" name="TextBox 1">
+            <a:extLst>
+              <a:ext uri="{FF2B5EF4-FFF2-40B4-BE49-F238E27FC236}">
+                <a16:creationId xmlns:a16="http://schemas.microsoft.com/office/drawing/2014/main" id="{C45EAF95-1845-FA72-B418-D1AF6DA4C4CA}"/>
+              </a:ext>
+            </a:extLst>
+          </p:cNvPr>
+          <p:cNvSpPr txBox="1"/>
+          <p:nvPr/>
+        </p:nvSpPr>
+        <p:spPr>
+          <a:xfrm>
+            <a:off x="8222913" y="5198367"/>
+            <a:ext cx="775374" cy="400110"/>
+          </a:xfrm>
+          <a:prstGeom prst="rect">
+            <a:avLst/>
+          </a:prstGeom>
+          <a:noFill/>
+        </p:spPr>
+        <p:txBody>
+          <a:bodyPr wrap="square">
+            <a:spAutoFit/>
+          </a:bodyPr>
+          <a:lstStyle/>
+          <a:p>
+            <a:r>
+              <a:rPr lang="en-US" sz="2000" b="1" dirty="0">
+                <a:solidFill>
+                  <a:schemeClr val="accent1">
+                    <a:lumMod val="75000"/>
+                  </a:schemeClr>
+                </a:solidFill>
+                <a:latin typeface="Sitka Subheading Semibold" pitchFamily="2" charset="0"/>
+              </a:rPr>
+              <a:t>C#</a:t>
+            </a:r>
+            <a:endParaRPr lang="ru-RU" sz="2000" b="0" i="1" u="none" strike="noStrike" baseline="0" dirty="0">
+              <a:solidFill>
+                <a:srgbClr val="000000"/>
+              </a:solidFill>
+              <a:latin typeface="Times New Roman" panose="02020603050405020304" pitchFamily="18" charset="0"/>
+            </a:endParaRPr>
+          </a:p>
+        </p:txBody>
+      </p:sp>
+    </p:spTree>
+    <p:extLst>
+      <p:ext uri="{BB962C8B-B14F-4D97-AF65-F5344CB8AC3E}">
+        <p14:creationId xmlns:p14="http://schemas.microsoft.com/office/powerpoint/2010/main" val="4048698765"/>
+      </p:ext>
+    </p:extLst>
+  </p:cSld>
+  <p:clrMapOvr>
+    <a:masterClrMapping/>
+  </p:clrMapOvr>
+</p:sld>
+</file>
+
+<file path=ppt/slides/slide16.xml><?xml version="1.0" encoding="utf-8"?>
+<p:sld xmlns:a="http://schemas.openxmlformats.org/drawingml/2006/main" xmlns:r="http://schemas.openxmlformats.org/officeDocument/2006/relationships" xmlns:p="http://schemas.openxmlformats.org/presentationml/2006/main">
+  <p:cSld>
+    <p:spTree>
+      <p:nvGrpSpPr>
+        <p:cNvPr id="1" name=""/>
+        <p:cNvGrpSpPr/>
+        <p:nvPr/>
+      </p:nvGrpSpPr>
+      <p:grpSpPr>
+        <a:xfrm>
+          <a:off x="0" y="0"/>
+          <a:ext cx="0" cy="0"/>
+          <a:chOff x="0" y="0"/>
+          <a:chExt cx="0" cy="0"/>
+        </a:xfrm>
+      </p:grpSpPr>
+      <p:sp>
+        <p:nvSpPr>
+          <p:cNvPr id="4" name="Номер слайда 3">
+            <a:extLst>
+              <a:ext uri="{FF2B5EF4-FFF2-40B4-BE49-F238E27FC236}">
+                <a16:creationId xmlns:a16="http://schemas.microsoft.com/office/drawing/2014/main" id="{5B11D815-4925-6E2C-B55F-4629DD538B40}"/>
+              </a:ext>
+            </a:extLst>
+          </p:cNvPr>
+          <p:cNvSpPr>
+            <a:spLocks noGrp="1"/>
+          </p:cNvSpPr>
+          <p:nvPr>
+            <p:ph type="sldNum" sz="quarter" idx="12"/>
+          </p:nvPr>
+        </p:nvSpPr>
+        <p:spPr/>
+        <p:txBody>
+          <a:bodyPr/>
+          <a:lstStyle/>
+          <a:p>
+            <a:fld id="{B1A34C6F-A464-4B1A-B6BE-98ECF327620C}" type="slidenum">
+              <a:rPr lang="ru-RU" sz="2000" smtClean="0">
+                <a:solidFill>
+                  <a:schemeClr val="accent1">
+                    <a:lumMod val="75000"/>
+                  </a:schemeClr>
+                </a:solidFill>
+                <a:latin typeface="Sitka Subheading Semibold" pitchFamily="2" charset="0"/>
+              </a:rPr>
+              <a:t>16</a:t>
+            </a:fld>
+            <a:endParaRPr lang="ru-RU" sz="2000" dirty="0">
+              <a:solidFill>
+                <a:schemeClr val="accent1">
+                  <a:lumMod val="75000"/>
+                </a:schemeClr>
+              </a:solidFill>
+              <a:latin typeface="Sitka Subheading Semibold" pitchFamily="2" charset="0"/>
+            </a:endParaRPr>
+          </a:p>
+        </p:txBody>
+      </p:sp>
+      <p:sp>
+        <p:nvSpPr>
+          <p:cNvPr id="7" name="TextBox 6">
+            <a:extLst>
+              <a:ext uri="{FF2B5EF4-FFF2-40B4-BE49-F238E27FC236}">
+                <a16:creationId xmlns:a16="http://schemas.microsoft.com/office/drawing/2014/main" id="{B39BFFE0-B12E-ADC9-A92E-6C82C0781BD2}"/>
+              </a:ext>
+            </a:extLst>
+          </p:cNvPr>
+          <p:cNvSpPr txBox="1"/>
+          <p:nvPr/>
+        </p:nvSpPr>
+        <p:spPr>
+          <a:xfrm>
+            <a:off x="2128520" y="474395"/>
+            <a:ext cx="7934960" cy="584775"/>
+          </a:xfrm>
+          <a:prstGeom prst="rect">
+            <a:avLst/>
+          </a:prstGeom>
+          <a:noFill/>
+        </p:spPr>
+        <p:txBody>
+          <a:bodyPr wrap="square">
+            <a:spAutoFit/>
+          </a:bodyPr>
+          <a:lstStyle/>
+          <a:p>
+            <a:pPr algn="ctr"/>
+            <a:r>
+              <a:rPr lang="ru-RU" sz="3200" dirty="0">
+                <a:solidFill>
+                  <a:schemeClr val="accent1">
+                    <a:lumMod val="75000"/>
+                  </a:schemeClr>
+                </a:solidFill>
+                <a:latin typeface="Sitka Subheading Semibold" pitchFamily="2" charset="0"/>
+                <a:ea typeface="Noto Serif JP Light" panose="02020200000000000000" pitchFamily="18" charset="-128"/>
+              </a:rPr>
+              <a:t>Этапы сборки</a:t>
+            </a:r>
+          </a:p>
+        </p:txBody>
+      </p:sp>
+      <p:pic>
+        <p:nvPicPr>
+          <p:cNvPr id="9" name="Рисунок 8">
+            <a:extLst>
+              <a:ext uri="{FF2B5EF4-FFF2-40B4-BE49-F238E27FC236}">
+                <a16:creationId xmlns:a16="http://schemas.microsoft.com/office/drawing/2014/main" id="{E3488EE8-B0FF-1111-F1D8-D806FACE4100}"/>
+              </a:ext>
+            </a:extLst>
+          </p:cNvPr>
+          <p:cNvPicPr>
+            <a:picLocks noChangeAspect="1"/>
+          </p:cNvPicPr>
+          <p:nvPr/>
+        </p:nvPicPr>
+        <p:blipFill>
+          <a:blip r:embed="rId2"/>
+          <a:stretch>
+            <a:fillRect/>
+          </a:stretch>
+        </p:blipFill>
+        <p:spPr>
+          <a:xfrm>
+            <a:off x="2880857" y="1258402"/>
+            <a:ext cx="6430286" cy="5097948"/>
+          </a:xfrm>
+          <a:prstGeom prst="rect">
+            <a:avLst/>
+          </a:prstGeom>
+        </p:spPr>
+      </p:pic>
+    </p:spTree>
+    <p:extLst>
+      <p:ext uri="{BB962C8B-B14F-4D97-AF65-F5344CB8AC3E}">
+        <p14:creationId xmlns:p14="http://schemas.microsoft.com/office/powerpoint/2010/main" val="3169638074"/>
       </p:ext>
     </p:extLst>
   </p:cSld>
